--- a/Presentations/Operator & Expression.pptx
+++ b/Presentations/Operator & Expression.pptx
@@ -295,7 +295,8 @@
           <a:p>
             <a:fld id="{8FADB32E-4A75-4D93-81F9-42E29015A69F}" type="datetimeFigureOut">
               <a:rPr lang="en-US" smtClean="0"/>
-              <a:t>7/2/2019</a:t>
+              <a:pPr/>
+              <a:t>7/6/2019</a:t>
             </a:fld>
             <a:endParaRPr lang="en-US"/>
           </a:p>
@@ -337,6 +338,7 @@
           <a:p>
             <a:fld id="{3428D3F9-72C8-46CF-84FD-002CBC291581}" type="slidenum">
               <a:rPr lang="en-US" smtClean="0"/>
+              <a:pPr/>
               <a:t>‹#›</a:t>
             </a:fld>
             <a:endParaRPr lang="en-US"/>
@@ -460,7 +462,8 @@
           <a:p>
             <a:fld id="{8FADB32E-4A75-4D93-81F9-42E29015A69F}" type="datetimeFigureOut">
               <a:rPr lang="en-US" smtClean="0"/>
-              <a:t>7/2/2019</a:t>
+              <a:pPr/>
+              <a:t>7/6/2019</a:t>
             </a:fld>
             <a:endParaRPr lang="en-US"/>
           </a:p>
@@ -502,6 +505,7 @@
           <a:p>
             <a:fld id="{3428D3F9-72C8-46CF-84FD-002CBC291581}" type="slidenum">
               <a:rPr lang="en-US" smtClean="0"/>
+              <a:pPr/>
               <a:t>‹#›</a:t>
             </a:fld>
             <a:endParaRPr lang="en-US"/>
@@ -635,7 +639,8 @@
           <a:p>
             <a:fld id="{8FADB32E-4A75-4D93-81F9-42E29015A69F}" type="datetimeFigureOut">
               <a:rPr lang="en-US" smtClean="0"/>
-              <a:t>7/2/2019</a:t>
+              <a:pPr/>
+              <a:t>7/6/2019</a:t>
             </a:fld>
             <a:endParaRPr lang="en-US"/>
           </a:p>
@@ -677,6 +682,7 @@
           <a:p>
             <a:fld id="{3428D3F9-72C8-46CF-84FD-002CBC291581}" type="slidenum">
               <a:rPr lang="en-US" smtClean="0"/>
+              <a:pPr/>
               <a:t>‹#›</a:t>
             </a:fld>
             <a:endParaRPr lang="en-US"/>
@@ -800,7 +806,8 @@
           <a:p>
             <a:fld id="{8FADB32E-4A75-4D93-81F9-42E29015A69F}" type="datetimeFigureOut">
               <a:rPr lang="en-US" smtClean="0"/>
-              <a:t>7/2/2019</a:t>
+              <a:pPr/>
+              <a:t>7/6/2019</a:t>
             </a:fld>
             <a:endParaRPr lang="en-US"/>
           </a:p>
@@ -842,6 +849,7 @@
           <a:p>
             <a:fld id="{3428D3F9-72C8-46CF-84FD-002CBC291581}" type="slidenum">
               <a:rPr lang="en-US" smtClean="0"/>
+              <a:pPr/>
               <a:t>‹#›</a:t>
             </a:fld>
             <a:endParaRPr lang="en-US"/>
@@ -1041,7 +1049,8 @@
           <a:p>
             <a:fld id="{8FADB32E-4A75-4D93-81F9-42E29015A69F}" type="datetimeFigureOut">
               <a:rPr lang="en-US" smtClean="0"/>
-              <a:t>7/2/2019</a:t>
+              <a:pPr/>
+              <a:t>7/6/2019</a:t>
             </a:fld>
             <a:endParaRPr lang="en-US"/>
           </a:p>
@@ -1083,6 +1092,7 @@
           <a:p>
             <a:fld id="{3428D3F9-72C8-46CF-84FD-002CBC291581}" type="slidenum">
               <a:rPr lang="en-US" smtClean="0"/>
+              <a:pPr/>
               <a:t>‹#›</a:t>
             </a:fld>
             <a:endParaRPr lang="en-US"/>
@@ -1324,7 +1334,8 @@
           <a:p>
             <a:fld id="{8FADB32E-4A75-4D93-81F9-42E29015A69F}" type="datetimeFigureOut">
               <a:rPr lang="en-US" smtClean="0"/>
-              <a:t>7/2/2019</a:t>
+              <a:pPr/>
+              <a:t>7/6/2019</a:t>
             </a:fld>
             <a:endParaRPr lang="en-US"/>
           </a:p>
@@ -1366,6 +1377,7 @@
           <a:p>
             <a:fld id="{3428D3F9-72C8-46CF-84FD-002CBC291581}" type="slidenum">
               <a:rPr lang="en-US" smtClean="0"/>
+              <a:pPr/>
               <a:t>‹#›</a:t>
             </a:fld>
             <a:endParaRPr lang="en-US"/>
@@ -1741,7 +1753,8 @@
           <a:p>
             <a:fld id="{8FADB32E-4A75-4D93-81F9-42E29015A69F}" type="datetimeFigureOut">
               <a:rPr lang="en-US" smtClean="0"/>
-              <a:t>7/2/2019</a:t>
+              <a:pPr/>
+              <a:t>7/6/2019</a:t>
             </a:fld>
             <a:endParaRPr lang="en-US"/>
           </a:p>
@@ -1783,6 +1796,7 @@
           <a:p>
             <a:fld id="{3428D3F9-72C8-46CF-84FD-002CBC291581}" type="slidenum">
               <a:rPr lang="en-US" smtClean="0"/>
+              <a:pPr/>
               <a:t>‹#›</a:t>
             </a:fld>
             <a:endParaRPr lang="en-US"/>
@@ -1854,7 +1868,8 @@
           <a:p>
             <a:fld id="{8FADB32E-4A75-4D93-81F9-42E29015A69F}" type="datetimeFigureOut">
               <a:rPr lang="en-US" smtClean="0"/>
-              <a:t>7/2/2019</a:t>
+              <a:pPr/>
+              <a:t>7/6/2019</a:t>
             </a:fld>
             <a:endParaRPr lang="en-US"/>
           </a:p>
@@ -1896,6 +1911,7 @@
           <a:p>
             <a:fld id="{3428D3F9-72C8-46CF-84FD-002CBC291581}" type="slidenum">
               <a:rPr lang="en-US" smtClean="0"/>
+              <a:pPr/>
               <a:t>‹#›</a:t>
             </a:fld>
             <a:endParaRPr lang="en-US"/>
@@ -1944,7 +1960,8 @@
           <a:p>
             <a:fld id="{8FADB32E-4A75-4D93-81F9-42E29015A69F}" type="datetimeFigureOut">
               <a:rPr lang="en-US" smtClean="0"/>
-              <a:t>7/2/2019</a:t>
+              <a:pPr/>
+              <a:t>7/6/2019</a:t>
             </a:fld>
             <a:endParaRPr lang="en-US"/>
           </a:p>
@@ -1986,6 +2003,7 @@
           <a:p>
             <a:fld id="{3428D3F9-72C8-46CF-84FD-002CBC291581}" type="slidenum">
               <a:rPr lang="en-US" smtClean="0"/>
+              <a:pPr/>
               <a:t>‹#›</a:t>
             </a:fld>
             <a:endParaRPr lang="en-US"/>
@@ -2216,7 +2234,8 @@
           <a:p>
             <a:fld id="{8FADB32E-4A75-4D93-81F9-42E29015A69F}" type="datetimeFigureOut">
               <a:rPr lang="en-US" smtClean="0"/>
-              <a:t>7/2/2019</a:t>
+              <a:pPr/>
+              <a:t>7/6/2019</a:t>
             </a:fld>
             <a:endParaRPr lang="en-US"/>
           </a:p>
@@ -2258,6 +2277,7 @@
           <a:p>
             <a:fld id="{3428D3F9-72C8-46CF-84FD-002CBC291581}" type="slidenum">
               <a:rPr lang="en-US" smtClean="0"/>
+              <a:pPr/>
               <a:t>‹#›</a:t>
             </a:fld>
             <a:endParaRPr lang="en-US"/>
@@ -2464,7 +2484,8 @@
           <a:p>
             <a:fld id="{8FADB32E-4A75-4D93-81F9-42E29015A69F}" type="datetimeFigureOut">
               <a:rPr lang="en-US" smtClean="0"/>
-              <a:t>7/2/2019</a:t>
+              <a:pPr/>
+              <a:t>7/6/2019</a:t>
             </a:fld>
             <a:endParaRPr lang="en-US"/>
           </a:p>
@@ -2506,6 +2527,7 @@
           <a:p>
             <a:fld id="{3428D3F9-72C8-46CF-84FD-002CBC291581}" type="slidenum">
               <a:rPr lang="en-US" smtClean="0"/>
+              <a:pPr/>
               <a:t>‹#›</a:t>
             </a:fld>
             <a:endParaRPr lang="en-US"/>
@@ -2672,7 +2694,8 @@
           <a:p>
             <a:fld id="{8FADB32E-4A75-4D93-81F9-42E29015A69F}" type="datetimeFigureOut">
               <a:rPr lang="en-US" smtClean="0"/>
-              <a:t>7/2/2019</a:t>
+              <a:pPr/>
+              <a:t>7/6/2019</a:t>
             </a:fld>
             <a:endParaRPr lang="en-US"/>
           </a:p>
@@ -2750,6 +2773,7 @@
           <a:p>
             <a:fld id="{3428D3F9-72C8-46CF-84FD-002CBC291581}" type="slidenum">
               <a:rPr lang="en-US" smtClean="0"/>
+              <a:pPr/>
               <a:t>‹#›</a:t>
             </a:fld>
             <a:endParaRPr lang="en-US"/>
@@ -3098,7 +3122,9 @@
           </a:xfrm>
         </p:spPr>
         <p:txBody>
-          <a:bodyPr/>
+          <a:bodyPr>
+            <a:normAutofit fontScale="85000" lnSpcReduction="10000"/>
+          </a:bodyPr>
           <a:lstStyle/>
           <a:p>
             <a:r>
@@ -3107,7 +3133,7 @@
                   <a:schemeClr val="tx1"/>
                 </a:solidFill>
               </a:rPr>
-              <a:t>Operators are the symbol that is used to initiate an operation on any </a:t>
+              <a:t>Operators are the symbols which perform the operation on some values. These values are known </a:t>
             </a:r>
             <a:r>
               <a:rPr lang="en-US" dirty="0" smtClean="0">
@@ -3115,11 +3141,19 @@
                   <a:srgbClr val="FF0000"/>
                 </a:solidFill>
               </a:rPr>
-              <a:t>operand</a:t>
+              <a:t>as operands</a:t>
+            </a:r>
+            <a:r>
+              <a:rPr lang="en-US" dirty="0" smtClean="0">
+                <a:solidFill>
+                  <a:schemeClr val="tx1"/>
+                </a:solidFill>
+              </a:rPr>
+              <a:t>.</a:t>
             </a:r>
             <a:endParaRPr lang="en-US" dirty="0">
               <a:solidFill>
-                <a:srgbClr val="FF0000"/>
+                <a:schemeClr val="tx1"/>
               </a:solidFill>
             </a:endParaRPr>
           </a:p>
@@ -4877,7 +4911,23 @@
                   <a:schemeClr val="bg2"/>
                 </a:solidFill>
               </a:rPr>
-              <a:t>Assignment	 Operators</a:t>
+              <a:t>Assignment	/ </a:t>
+            </a:r>
+            <a:r>
+              <a:rPr lang="en-US" dirty="0" err="1" smtClean="0">
+                <a:solidFill>
+                  <a:schemeClr val="bg2"/>
+                </a:solidFill>
+              </a:rPr>
+              <a:t>Augumented</a:t>
+            </a:r>
+            <a:r>
+              <a:rPr lang="en-US" dirty="0" smtClean="0">
+                <a:solidFill>
+                  <a:schemeClr val="bg2"/>
+                </a:solidFill>
+              </a:rPr>
+              <a:t> Operators</a:t>
             </a:r>
             <a:endParaRPr lang="en-US" dirty="0">
               <a:solidFill>
@@ -5432,7 +5482,7 @@
         </p:nvGraphicFramePr>
         <p:xfrm>
           <a:off x="381000" y="1397000"/>
-          <a:ext cx="8382000" cy="3708400"/>
+          <a:ext cx="8382000" cy="4851400"/>
         </p:xfrm>
         <a:graphic>
           <a:graphicData uri="http://schemas.openxmlformats.org/drawingml/2006/table">
@@ -5442,8 +5492,8 @@
               </a:tblPr>
               <a:tblGrid>
                 <a:gridCol w="1371600"/>
-                <a:gridCol w="2286000"/>
-                <a:gridCol w="4724400"/>
+                <a:gridCol w="2667000"/>
+                <a:gridCol w="4343400"/>
               </a:tblGrid>
               <a:tr h="370840">
                 <a:tc>
@@ -5496,38 +5546,38 @@
                     <a:lstStyle/>
                     <a:p>
                       <a:r>
-                        <a:rPr lang="en-US" dirty="0" smtClean="0"/>
+                        <a:rPr lang="en-US" sz="2400" dirty="0" smtClean="0"/>
                         <a:t>1.</a:t>
                       </a:r>
-                      <a:endParaRPr lang="en-US" dirty="0"/>
-                    </a:p>
-                  </a:txBody>
-                  <a:tcPr/>
-                </a:tc>
-                <a:tc>
-                  <a:txBody>
-                    <a:bodyPr/>
-                    <a:lstStyle/>
-                    <a:p>
-                      <a:r>
-                        <a:rPr lang="en-US" dirty="0" smtClean="0"/>
+                      <a:endParaRPr lang="en-US" sz="2400" dirty="0"/>
+                    </a:p>
+                  </a:txBody>
+                  <a:tcPr/>
+                </a:tc>
+                <a:tc>
+                  <a:txBody>
+                    <a:bodyPr/>
+                    <a:lstStyle/>
+                    <a:p>
+                      <a:r>
+                        <a:rPr lang="en-US" sz="2400" dirty="0" smtClean="0"/>
                         <a:t>( )</a:t>
                       </a:r>
-                      <a:endParaRPr lang="en-US" dirty="0"/>
-                    </a:p>
-                  </a:txBody>
-                  <a:tcPr/>
-                </a:tc>
-                <a:tc>
-                  <a:txBody>
-                    <a:bodyPr/>
-                    <a:lstStyle/>
-                    <a:p>
-                      <a:r>
-                        <a:rPr lang="en-US" dirty="0" smtClean="0"/>
+                      <a:endParaRPr lang="en-US" sz="2400" dirty="0"/>
+                    </a:p>
+                  </a:txBody>
+                  <a:tcPr/>
+                </a:tc>
+                <a:tc>
+                  <a:txBody>
+                    <a:bodyPr/>
+                    <a:lstStyle/>
+                    <a:p>
+                      <a:r>
+                        <a:rPr lang="en-US" sz="2400" dirty="0" smtClean="0"/>
                         <a:t>Parenthesis</a:t>
                       </a:r>
-                      <a:endParaRPr lang="en-US" dirty="0"/>
+                      <a:endParaRPr lang="en-US" sz="2400" dirty="0"/>
                     </a:p>
                   </a:txBody>
                   <a:tcPr/>
@@ -5540,38 +5590,38 @@
                     <a:lstStyle/>
                     <a:p>
                       <a:r>
-                        <a:rPr lang="en-US" dirty="0" smtClean="0"/>
+                        <a:rPr lang="en-US" sz="2400" dirty="0" smtClean="0"/>
                         <a:t>2.</a:t>
                       </a:r>
-                      <a:endParaRPr lang="en-US" dirty="0"/>
-                    </a:p>
-                  </a:txBody>
-                  <a:tcPr/>
-                </a:tc>
-                <a:tc>
-                  <a:txBody>
-                    <a:bodyPr/>
-                    <a:lstStyle/>
-                    <a:p>
-                      <a:r>
-                        <a:rPr lang="en-US" dirty="0" smtClean="0"/>
+                      <a:endParaRPr lang="en-US" sz="2400" dirty="0"/>
+                    </a:p>
+                  </a:txBody>
+                  <a:tcPr/>
+                </a:tc>
+                <a:tc>
+                  <a:txBody>
+                    <a:bodyPr/>
+                    <a:lstStyle/>
+                    <a:p>
+                      <a:r>
+                        <a:rPr lang="en-US" sz="2400" dirty="0" smtClean="0"/>
                         <a:t>**</a:t>
                       </a:r>
-                      <a:endParaRPr lang="en-US" dirty="0"/>
-                    </a:p>
-                  </a:txBody>
-                  <a:tcPr/>
-                </a:tc>
-                <a:tc>
-                  <a:txBody>
-                    <a:bodyPr/>
-                    <a:lstStyle/>
-                    <a:p>
-                      <a:r>
-                        <a:rPr lang="en-US" dirty="0" smtClean="0"/>
+                      <a:endParaRPr lang="en-US" sz="2400" dirty="0"/>
+                    </a:p>
+                  </a:txBody>
+                  <a:tcPr/>
+                </a:tc>
+                <a:tc>
+                  <a:txBody>
+                    <a:bodyPr/>
+                    <a:lstStyle/>
+                    <a:p>
+                      <a:r>
+                        <a:rPr lang="en-US" sz="2400" dirty="0" smtClean="0"/>
                         <a:t>Exponentiation</a:t>
                       </a:r>
-                      <a:endParaRPr lang="en-US" dirty="0"/>
+                      <a:endParaRPr lang="en-US" sz="2400" dirty="0"/>
                     </a:p>
                   </a:txBody>
                   <a:tcPr/>
@@ -5584,38 +5634,38 @@
                     <a:lstStyle/>
                     <a:p>
                       <a:r>
-                        <a:rPr lang="en-US" dirty="0" smtClean="0"/>
+                        <a:rPr lang="en-US" sz="2400" dirty="0" smtClean="0"/>
                         <a:t>3.</a:t>
                       </a:r>
-                      <a:endParaRPr lang="en-US" dirty="0"/>
-                    </a:p>
-                  </a:txBody>
-                  <a:tcPr/>
-                </a:tc>
-                <a:tc>
-                  <a:txBody>
-                    <a:bodyPr/>
-                    <a:lstStyle/>
-                    <a:p>
-                      <a:r>
-                        <a:rPr lang="en-US" dirty="0" smtClean="0"/>
+                      <a:endParaRPr lang="en-US" sz="2400" dirty="0"/>
+                    </a:p>
+                  </a:txBody>
+                  <a:tcPr/>
+                </a:tc>
+                <a:tc>
+                  <a:txBody>
+                    <a:bodyPr/>
+                    <a:lstStyle/>
+                    <a:p>
+                      <a:r>
+                        <a:rPr lang="en-US" sz="2400" dirty="0" smtClean="0"/>
                         <a:t>+x , -x </a:t>
                       </a:r>
-                      <a:endParaRPr lang="en-US" dirty="0"/>
-                    </a:p>
-                  </a:txBody>
-                  <a:tcPr/>
-                </a:tc>
-                <a:tc>
-                  <a:txBody>
-                    <a:bodyPr/>
-                    <a:lstStyle/>
-                    <a:p>
-                      <a:r>
-                        <a:rPr lang="en-US" dirty="0" smtClean="0"/>
+                      <a:endParaRPr lang="en-US" sz="2400" dirty="0"/>
+                    </a:p>
+                  </a:txBody>
+                  <a:tcPr/>
+                </a:tc>
+                <a:tc>
+                  <a:txBody>
+                    <a:bodyPr/>
+                    <a:lstStyle/>
+                    <a:p>
+                      <a:r>
+                        <a:rPr lang="en-US" sz="2400" dirty="0" smtClean="0"/>
                         <a:t>Unary Plus and Unary minus</a:t>
                       </a:r>
-                      <a:endParaRPr lang="en-US" dirty="0"/>
+                      <a:endParaRPr lang="en-US" sz="2400" dirty="0"/>
                     </a:p>
                   </a:txBody>
                   <a:tcPr/>
@@ -5628,38 +5678,38 @@
                     <a:lstStyle/>
                     <a:p>
                       <a:r>
-                        <a:rPr lang="en-US" dirty="0" smtClean="0"/>
+                        <a:rPr lang="en-US" sz="2400" dirty="0" smtClean="0"/>
                         <a:t>4.</a:t>
                       </a:r>
-                      <a:endParaRPr lang="en-US" dirty="0"/>
-                    </a:p>
-                  </a:txBody>
-                  <a:tcPr/>
-                </a:tc>
-                <a:tc>
-                  <a:txBody>
-                    <a:bodyPr/>
-                    <a:lstStyle/>
-                    <a:p>
-                      <a:r>
-                        <a:rPr lang="en-US" dirty="0" smtClean="0"/>
+                      <a:endParaRPr lang="en-US" sz="2400" dirty="0"/>
+                    </a:p>
+                  </a:txBody>
+                  <a:tcPr/>
+                </a:tc>
+                <a:tc>
+                  <a:txBody>
+                    <a:bodyPr/>
+                    <a:lstStyle/>
+                    <a:p>
+                      <a:r>
+                        <a:rPr lang="en-US" sz="2400" dirty="0" smtClean="0"/>
                         <a:t>*, / , %, //</a:t>
                       </a:r>
-                      <a:endParaRPr lang="en-US" dirty="0"/>
-                    </a:p>
-                  </a:txBody>
-                  <a:tcPr/>
-                </a:tc>
-                <a:tc>
-                  <a:txBody>
-                    <a:bodyPr/>
-                    <a:lstStyle/>
-                    <a:p>
-                      <a:r>
-                        <a:rPr lang="en-US" dirty="0" smtClean="0"/>
+                      <a:endParaRPr lang="en-US" sz="2400" dirty="0"/>
+                    </a:p>
+                  </a:txBody>
+                  <a:tcPr/>
+                </a:tc>
+                <a:tc>
+                  <a:txBody>
+                    <a:bodyPr/>
+                    <a:lstStyle/>
+                    <a:p>
+                      <a:r>
+                        <a:rPr lang="en-US" sz="2400" dirty="0" smtClean="0"/>
                         <a:t>Multiplication, division, modulus, floor division</a:t>
                       </a:r>
-                      <a:endParaRPr lang="en-US" dirty="0"/>
+                      <a:endParaRPr lang="en-US" sz="2400" dirty="0"/>
                     </a:p>
                   </a:txBody>
                   <a:tcPr/>
@@ -5672,42 +5722,42 @@
                     <a:lstStyle/>
                     <a:p>
                       <a:r>
-                        <a:rPr lang="en-US" dirty="0" smtClean="0"/>
+                        <a:rPr lang="en-US" sz="2400" dirty="0" smtClean="0"/>
                         <a:t>5.</a:t>
                       </a:r>
-                      <a:endParaRPr lang="en-US" dirty="0"/>
-                    </a:p>
-                  </a:txBody>
-                  <a:tcPr/>
-                </a:tc>
-                <a:tc>
-                  <a:txBody>
-                    <a:bodyPr/>
-                    <a:lstStyle/>
-                    <a:p>
-                      <a:r>
-                        <a:rPr lang="en-US" dirty="0" smtClean="0"/>
+                      <a:endParaRPr lang="en-US" sz="2400" dirty="0"/>
+                    </a:p>
+                  </a:txBody>
+                  <a:tcPr/>
+                </a:tc>
+                <a:tc>
+                  <a:txBody>
+                    <a:bodyPr/>
+                    <a:lstStyle/>
+                    <a:p>
+                      <a:r>
+                        <a:rPr lang="en-US" sz="2400" dirty="0" smtClean="0"/>
                         <a:t>+ ,/ </a:t>
                       </a:r>
-                      <a:endParaRPr lang="en-US" dirty="0"/>
-                    </a:p>
-                  </a:txBody>
-                  <a:tcPr/>
-                </a:tc>
-                <a:tc>
-                  <a:txBody>
-                    <a:bodyPr/>
-                    <a:lstStyle/>
-                    <a:p>
-                      <a:r>
-                        <a:rPr lang="en-US" dirty="0" smtClean="0"/>
+                      <a:endParaRPr lang="en-US" sz="2400" dirty="0"/>
+                    </a:p>
+                  </a:txBody>
+                  <a:tcPr/>
+                </a:tc>
+                <a:tc>
+                  <a:txBody>
+                    <a:bodyPr/>
+                    <a:lstStyle/>
+                    <a:p>
+                      <a:r>
+                        <a:rPr lang="en-US" sz="2400" dirty="0" smtClean="0"/>
                         <a:t>Binary plus</a:t>
                       </a:r>
                       <a:r>
-                        <a:rPr lang="en-US" baseline="0" dirty="0" smtClean="0"/>
+                        <a:rPr lang="en-US" sz="2400" baseline="0" dirty="0" smtClean="0"/>
                         <a:t> and binary minus</a:t>
                       </a:r>
-                      <a:endParaRPr lang="en-US" dirty="0"/>
+                      <a:endParaRPr lang="en-US" sz="2400" dirty="0"/>
                     </a:p>
                   </a:txBody>
                   <a:tcPr/>
@@ -5720,42 +5770,38 @@
                     <a:lstStyle/>
                     <a:p>
                       <a:r>
-                        <a:rPr lang="en-US" dirty="0" smtClean="0"/>
+                        <a:rPr lang="en-US" sz="2400" dirty="0" smtClean="0"/>
                         <a:t>6.</a:t>
                       </a:r>
-                      <a:endParaRPr lang="en-US" dirty="0"/>
-                    </a:p>
-                  </a:txBody>
-                  <a:tcPr/>
-                </a:tc>
-                <a:tc>
-                  <a:txBody>
-                    <a:bodyPr/>
-                    <a:lstStyle/>
-                    <a:p>
-                      <a:r>
-                        <a:rPr lang="en-US" dirty="0" smtClean="0"/>
-                        <a:t>&gt;,&lt;,&gt;=,&lt;=,==, !=</a:t>
-                      </a:r>
-                      <a:endParaRPr lang="en-US" dirty="0"/>
-                    </a:p>
-                  </a:txBody>
-                  <a:tcPr/>
-                </a:tc>
-                <a:tc>
-                  <a:txBody>
-                    <a:bodyPr/>
-                    <a:lstStyle/>
-                    <a:p>
-                      <a:r>
-                        <a:rPr lang="en-US" dirty="0" err="1" smtClean="0"/>
-                        <a:t>Comparision</a:t>
-                      </a:r>
-                      <a:r>
-                        <a:rPr lang="en-US" dirty="0" smtClean="0"/>
-                        <a:t> operators</a:t>
-                      </a:r>
-                      <a:endParaRPr lang="en-US" dirty="0"/>
+                      <a:endParaRPr lang="en-US" sz="2400" dirty="0"/>
+                    </a:p>
+                  </a:txBody>
+                  <a:tcPr/>
+                </a:tc>
+                <a:tc>
+                  <a:txBody>
+                    <a:bodyPr/>
+                    <a:lstStyle/>
+                    <a:p>
+                      <a:r>
+                        <a:rPr lang="en-US" sz="2400" dirty="0" smtClean="0"/>
+                        <a:t>&gt;, &lt; , &gt; = , &lt;=, ==, !=</a:t>
+                      </a:r>
+                      <a:endParaRPr lang="en-US" sz="2400" dirty="0"/>
+                    </a:p>
+                  </a:txBody>
+                  <a:tcPr/>
+                </a:tc>
+                <a:tc>
+                  <a:txBody>
+                    <a:bodyPr/>
+                    <a:lstStyle/>
+                    <a:p>
+                      <a:r>
+                        <a:rPr lang="en-US" sz="2400" dirty="0" smtClean="0"/>
+                        <a:t>Comparison operators</a:t>
+                      </a:r>
+                      <a:endParaRPr lang="en-US" sz="2400" dirty="0"/>
                     </a:p>
                   </a:txBody>
                   <a:tcPr/>
@@ -5768,42 +5814,42 @@
                     <a:lstStyle/>
                     <a:p>
                       <a:r>
-                        <a:rPr lang="en-US" dirty="0" smtClean="0"/>
+                        <a:rPr lang="en-US" sz="2400" dirty="0" smtClean="0"/>
                         <a:t>7.</a:t>
                       </a:r>
-                      <a:endParaRPr lang="en-US" dirty="0"/>
-                    </a:p>
-                  </a:txBody>
-                  <a:tcPr/>
-                </a:tc>
-                <a:tc>
-                  <a:txBody>
-                    <a:bodyPr/>
-                    <a:lstStyle/>
-                    <a:p>
-                      <a:r>
-                        <a:rPr lang="en-US" dirty="0" smtClean="0"/>
+                      <a:endParaRPr lang="en-US" sz="2400" dirty="0"/>
+                    </a:p>
+                  </a:txBody>
+                  <a:tcPr/>
+                </a:tc>
+                <a:tc>
+                  <a:txBody>
+                    <a:bodyPr/>
+                    <a:lstStyle/>
+                    <a:p>
+                      <a:r>
+                        <a:rPr lang="en-US" sz="2400" dirty="0" smtClean="0"/>
                         <a:t>not  x</a:t>
                       </a:r>
-                      <a:endParaRPr lang="en-US" dirty="0"/>
-                    </a:p>
-                  </a:txBody>
-                  <a:tcPr/>
-                </a:tc>
-                <a:tc>
-                  <a:txBody>
-                    <a:bodyPr/>
-                    <a:lstStyle/>
-                    <a:p>
-                      <a:r>
-                        <a:rPr lang="en-US" dirty="0" smtClean="0"/>
+                      <a:endParaRPr lang="en-US" sz="2400" dirty="0"/>
+                    </a:p>
+                  </a:txBody>
+                  <a:tcPr/>
+                </a:tc>
+                <a:tc>
+                  <a:txBody>
+                    <a:bodyPr/>
+                    <a:lstStyle/>
+                    <a:p>
+                      <a:r>
+                        <a:rPr lang="en-US" sz="2400" dirty="0" smtClean="0"/>
                         <a:t>Logical</a:t>
                       </a:r>
                       <a:r>
-                        <a:rPr lang="en-US" baseline="0" dirty="0" smtClean="0"/>
+                        <a:rPr lang="en-US" sz="2400" baseline="0" dirty="0" smtClean="0"/>
                         <a:t> Not Operator</a:t>
                       </a:r>
-                      <a:endParaRPr lang="en-US" dirty="0"/>
+                      <a:endParaRPr lang="en-US" sz="2400" dirty="0"/>
                     </a:p>
                   </a:txBody>
                   <a:tcPr/>
@@ -5816,38 +5862,38 @@
                     <a:lstStyle/>
                     <a:p>
                       <a:r>
-                        <a:rPr lang="en-US" dirty="0" smtClean="0"/>
+                        <a:rPr lang="en-US" sz="2400" dirty="0" smtClean="0"/>
                         <a:t>8.</a:t>
                       </a:r>
-                      <a:endParaRPr lang="en-US" dirty="0"/>
-                    </a:p>
-                  </a:txBody>
-                  <a:tcPr/>
-                </a:tc>
-                <a:tc>
-                  <a:txBody>
-                    <a:bodyPr/>
-                    <a:lstStyle/>
-                    <a:p>
-                      <a:r>
-                        <a:rPr lang="en-US" dirty="0" smtClean="0"/>
+                      <a:endParaRPr lang="en-US" sz="2400" dirty="0"/>
+                    </a:p>
+                  </a:txBody>
+                  <a:tcPr/>
+                </a:tc>
+                <a:tc>
+                  <a:txBody>
+                    <a:bodyPr/>
+                    <a:lstStyle/>
+                    <a:p>
+                      <a:r>
+                        <a:rPr lang="en-US" sz="2400" dirty="0" smtClean="0"/>
                         <a:t>and</a:t>
                       </a:r>
-                      <a:endParaRPr lang="en-US" dirty="0"/>
-                    </a:p>
-                  </a:txBody>
-                  <a:tcPr/>
-                </a:tc>
-                <a:tc>
-                  <a:txBody>
-                    <a:bodyPr/>
-                    <a:lstStyle/>
-                    <a:p>
-                      <a:r>
-                        <a:rPr lang="en-US" dirty="0" smtClean="0"/>
+                      <a:endParaRPr lang="en-US" sz="2400" dirty="0"/>
+                    </a:p>
+                  </a:txBody>
+                  <a:tcPr/>
+                </a:tc>
+                <a:tc>
+                  <a:txBody>
+                    <a:bodyPr/>
+                    <a:lstStyle/>
+                    <a:p>
+                      <a:r>
+                        <a:rPr lang="en-US" sz="2400" dirty="0" smtClean="0"/>
                         <a:t>Logical and operator</a:t>
                       </a:r>
-                      <a:endParaRPr lang="en-US" dirty="0"/>
+                      <a:endParaRPr lang="en-US" sz="2400" dirty="0"/>
                     </a:p>
                   </a:txBody>
                   <a:tcPr/>
@@ -5860,38 +5906,38 @@
                     <a:lstStyle/>
                     <a:p>
                       <a:r>
-                        <a:rPr lang="en-US" dirty="0" smtClean="0"/>
+                        <a:rPr lang="en-US" sz="2400" dirty="0" smtClean="0"/>
                         <a:t>9.</a:t>
                       </a:r>
-                      <a:endParaRPr lang="en-US" dirty="0"/>
-                    </a:p>
-                  </a:txBody>
-                  <a:tcPr/>
-                </a:tc>
-                <a:tc>
-                  <a:txBody>
-                    <a:bodyPr/>
-                    <a:lstStyle/>
-                    <a:p>
-                      <a:r>
-                        <a:rPr lang="en-US" dirty="0" smtClean="0"/>
+                      <a:endParaRPr lang="en-US" sz="2400" dirty="0"/>
+                    </a:p>
+                  </a:txBody>
+                  <a:tcPr/>
+                </a:tc>
+                <a:tc>
+                  <a:txBody>
+                    <a:bodyPr/>
+                    <a:lstStyle/>
+                    <a:p>
+                      <a:r>
+                        <a:rPr lang="en-US" sz="2400" dirty="0" smtClean="0"/>
                         <a:t>or</a:t>
                       </a:r>
-                      <a:endParaRPr lang="en-US" dirty="0"/>
-                    </a:p>
-                  </a:txBody>
-                  <a:tcPr/>
-                </a:tc>
-                <a:tc>
-                  <a:txBody>
-                    <a:bodyPr/>
-                    <a:lstStyle/>
-                    <a:p>
-                      <a:r>
-                        <a:rPr lang="en-US" dirty="0" smtClean="0"/>
+                      <a:endParaRPr lang="en-US" sz="2400" dirty="0"/>
+                    </a:p>
+                  </a:txBody>
+                  <a:tcPr/>
+                </a:tc>
+                <a:tc>
+                  <a:txBody>
+                    <a:bodyPr/>
+                    <a:lstStyle/>
+                    <a:p>
+                      <a:r>
+                        <a:rPr lang="en-US" sz="2400" dirty="0" smtClean="0"/>
                         <a:t>Logical or operator</a:t>
                       </a:r>
-                      <a:endParaRPr lang="en-US" dirty="0"/>
+                      <a:endParaRPr lang="en-US" sz="2400" dirty="0"/>
                     </a:p>
                   </a:txBody>
                   <a:tcPr/>

--- a/Presentations/Operator & Expression.pptx
+++ b/Presentations/Operator & Expression.pptx
@@ -296,7 +296,7 @@
             <a:fld id="{8FADB32E-4A75-4D93-81F9-42E29015A69F}" type="datetimeFigureOut">
               <a:rPr lang="en-US" smtClean="0"/>
               <a:pPr/>
-              <a:t>7/6/2019</a:t>
+              <a:t>7/18/2019</a:t>
             </a:fld>
             <a:endParaRPr lang="en-US"/>
           </a:p>
@@ -463,7 +463,7 @@
             <a:fld id="{8FADB32E-4A75-4D93-81F9-42E29015A69F}" type="datetimeFigureOut">
               <a:rPr lang="en-US" smtClean="0"/>
               <a:pPr/>
-              <a:t>7/6/2019</a:t>
+              <a:t>7/18/2019</a:t>
             </a:fld>
             <a:endParaRPr lang="en-US"/>
           </a:p>
@@ -640,7 +640,7 @@
             <a:fld id="{8FADB32E-4A75-4D93-81F9-42E29015A69F}" type="datetimeFigureOut">
               <a:rPr lang="en-US" smtClean="0"/>
               <a:pPr/>
-              <a:t>7/6/2019</a:t>
+              <a:t>7/18/2019</a:t>
             </a:fld>
             <a:endParaRPr lang="en-US"/>
           </a:p>
@@ -807,7 +807,7 @@
             <a:fld id="{8FADB32E-4A75-4D93-81F9-42E29015A69F}" type="datetimeFigureOut">
               <a:rPr lang="en-US" smtClean="0"/>
               <a:pPr/>
-              <a:t>7/6/2019</a:t>
+              <a:t>7/18/2019</a:t>
             </a:fld>
             <a:endParaRPr lang="en-US"/>
           </a:p>
@@ -1050,7 +1050,7 @@
             <a:fld id="{8FADB32E-4A75-4D93-81F9-42E29015A69F}" type="datetimeFigureOut">
               <a:rPr lang="en-US" smtClean="0"/>
               <a:pPr/>
-              <a:t>7/6/2019</a:t>
+              <a:t>7/18/2019</a:t>
             </a:fld>
             <a:endParaRPr lang="en-US"/>
           </a:p>
@@ -1335,7 +1335,7 @@
             <a:fld id="{8FADB32E-4A75-4D93-81F9-42E29015A69F}" type="datetimeFigureOut">
               <a:rPr lang="en-US" smtClean="0"/>
               <a:pPr/>
-              <a:t>7/6/2019</a:t>
+              <a:t>7/18/2019</a:t>
             </a:fld>
             <a:endParaRPr lang="en-US"/>
           </a:p>
@@ -1754,7 +1754,7 @@
             <a:fld id="{8FADB32E-4A75-4D93-81F9-42E29015A69F}" type="datetimeFigureOut">
               <a:rPr lang="en-US" smtClean="0"/>
               <a:pPr/>
-              <a:t>7/6/2019</a:t>
+              <a:t>7/18/2019</a:t>
             </a:fld>
             <a:endParaRPr lang="en-US"/>
           </a:p>
@@ -1869,7 +1869,7 @@
             <a:fld id="{8FADB32E-4A75-4D93-81F9-42E29015A69F}" type="datetimeFigureOut">
               <a:rPr lang="en-US" smtClean="0"/>
               <a:pPr/>
-              <a:t>7/6/2019</a:t>
+              <a:t>7/18/2019</a:t>
             </a:fld>
             <a:endParaRPr lang="en-US"/>
           </a:p>
@@ -1961,7 +1961,7 @@
             <a:fld id="{8FADB32E-4A75-4D93-81F9-42E29015A69F}" type="datetimeFigureOut">
               <a:rPr lang="en-US" smtClean="0"/>
               <a:pPr/>
-              <a:t>7/6/2019</a:t>
+              <a:t>7/18/2019</a:t>
             </a:fld>
             <a:endParaRPr lang="en-US"/>
           </a:p>
@@ -2235,7 +2235,7 @@
             <a:fld id="{8FADB32E-4A75-4D93-81F9-42E29015A69F}" type="datetimeFigureOut">
               <a:rPr lang="en-US" smtClean="0"/>
               <a:pPr/>
-              <a:t>7/6/2019</a:t>
+              <a:t>7/18/2019</a:t>
             </a:fld>
             <a:endParaRPr lang="en-US"/>
           </a:p>
@@ -2485,7 +2485,7 @@
             <a:fld id="{8FADB32E-4A75-4D93-81F9-42E29015A69F}" type="datetimeFigureOut">
               <a:rPr lang="en-US" smtClean="0"/>
               <a:pPr/>
-              <a:t>7/6/2019</a:t>
+              <a:t>7/18/2019</a:t>
             </a:fld>
             <a:endParaRPr lang="en-US"/>
           </a:p>
@@ -2695,7 +2695,7 @@
             <a:fld id="{8FADB32E-4A75-4D93-81F9-42E29015A69F}" type="datetimeFigureOut">
               <a:rPr lang="en-US" smtClean="0"/>
               <a:pPr/>
-              <a:t>7/6/2019</a:t>
+              <a:t>7/18/2019</a:t>
             </a:fld>
             <a:endParaRPr lang="en-US"/>
           </a:p>
@@ -5736,8 +5736,16 @@
                     <a:lstStyle/>
                     <a:p>
                       <a:r>
-                        <a:rPr lang="en-US" sz="2400" dirty="0" smtClean="0"/>
-                        <a:t>+ ,/ </a:t>
+                        <a:rPr lang="en-US" sz="2400" smtClean="0"/>
+                        <a:t>+ </a:t>
+                      </a:r>
+                      <a:r>
+                        <a:rPr lang="en-US" sz="2400" smtClean="0"/>
+                        <a:t>,</a:t>
+                      </a:r>
+                      <a:r>
+                        <a:rPr lang="en-US" sz="2400" baseline="0" smtClean="0"/>
+                        <a:t> -</a:t>
                       </a:r>
                       <a:endParaRPr lang="en-US" sz="2400" dirty="0"/>
                     </a:p>
